--- a/THR3028R.chrisdias.vscodetipstricks.pptx
+++ b/THR3028R.chrisdias.vscodetipstricks.pptx
@@ -275,7 +275,7 @@
               <a:rPr lang="en-US" smtClean="0">
                 <a:latin typeface="Segoe UI" pitchFamily="34" charset="0"/>
               </a:rPr>
-              <a:t>9/22/17 10:02 AM</a:t>
+              <a:t>9/26/17 9:49 PM</a:t>
             </a:fld>
             <a:endParaRPr lang="en-US" dirty="0">
               <a:latin typeface="Segoe UI" pitchFamily="34" charset="0"/>
@@ -569,7 +569,7 @@
           <a:p>
             <a:fld id="{D18B56EA-E28F-4F92-9F16-7A6F2501B303}" type="datetime8">
               <a:rPr lang="en-US" smtClean="0"/>
-              <a:t>9/22/17 10:02 AM</a:t>
+              <a:t>9/26/17 9:49 PM</a:t>
             </a:fld>
             <a:endParaRPr lang="en-US" dirty="0"/>
           </a:p>
@@ -952,7 +952,7 @@
           <a:p>
             <a:fld id="{3313C66B-7AF5-40BA-8933-D16874FF94CC}" type="datetime8">
               <a:rPr lang="en-US" smtClean="0"/>
-              <a:t>9/22/17 10:02 AM</a:t>
+              <a:t>9/26/17 9:50 PM</a:t>
             </a:fld>
             <a:endParaRPr lang="en-US" dirty="0"/>
           </a:p>
@@ -1133,7 +1133,7 @@
           <a:p>
             <a:fld id="{D18B56EA-E28F-4F92-9F16-7A6F2501B303}" type="datetime8">
               <a:rPr lang="en-US" smtClean="0"/>
-              <a:t>9/22/17 10:02 AM</a:t>
+              <a:t>9/26/17 9:49 PM</a:t>
             </a:fld>
             <a:endParaRPr lang="en-US" dirty="0"/>
           </a:p>
@@ -1314,7 +1314,7 @@
           <a:p>
             <a:fld id="{D18B56EA-E28F-4F92-9F16-7A6F2501B303}" type="datetime8">
               <a:rPr lang="en-US" smtClean="0"/>
-              <a:t>9/22/17 10:02 AM</a:t>
+              <a:t>9/26/17 9:49 PM</a:t>
             </a:fld>
             <a:endParaRPr lang="en-US" dirty="0"/>
           </a:p>
@@ -1495,7 +1495,7 @@
           <a:p>
             <a:fld id="{D18B56EA-E28F-4F92-9F16-7A6F2501B303}" type="datetime8">
               <a:rPr lang="en-US" smtClean="0"/>
-              <a:t>9/22/17 10:02 AM</a:t>
+              <a:t>9/26/17 9:49 PM</a:t>
             </a:fld>
             <a:endParaRPr lang="en-US" dirty="0"/>
           </a:p>
@@ -1660,7 +1660,7 @@
           <a:p>
             <a:fld id="{90EC29EE-A8AD-4CE0-9C0B-116E0D4D7533}" type="datetime8">
               <a:rPr lang="en-US" smtClean="0"/>
-              <a:t>9/22/17 10:02 AM</a:t>
+              <a:t>9/26/17 9:49 PM</a:t>
             </a:fld>
             <a:endParaRPr lang="en-US" dirty="0"/>
           </a:p>
@@ -1810,7 +1810,7 @@
                   <a:prstClr val="black"/>
                 </a:solidFill>
               </a:rPr>
-              <a:t>9/22/17 10:02 AM</a:t>
+              <a:t>9/26/17 9:49 PM</a:t>
             </a:fld>
             <a:endParaRPr lang="en-US" dirty="0">
               <a:solidFill>
@@ -2618,7 +2618,7 @@
           <p:cNvPr id="5" name="Picture 4" descr="Image of Ignite app on a Windows Device." title="Ignite event image">
             <a:extLst>
               <a:ext uri="{FF2B5EF4-FFF2-40B4-BE49-F238E27FC236}">
-                <a16:creationId xmlns="" xmlns:a16="http://schemas.microsoft.com/office/drawing/2014/main" id="{E803C22C-E970-4ADA-A60C-5127C1C2C1DE}"/>
+                <a16:creationId xmlns:a16="http://schemas.microsoft.com/office/drawing/2014/main" xmlns="" id="{E803C22C-E970-4ADA-A60C-5127C1C2C1DE}"/>
               </a:ext>
             </a:extLst>
           </p:cNvPr>
@@ -6104,7 +6104,7 @@
           <p:cNvPr id="5" name="Picture 4" descr="Image of Ignite app on a Windows Device." title="Ignite event image">
             <a:extLst>
               <a:ext uri="{FF2B5EF4-FFF2-40B4-BE49-F238E27FC236}">
-                <a16:creationId xmlns="" xmlns:a16="http://schemas.microsoft.com/office/drawing/2014/main" id="{E803C22C-E970-4ADA-A60C-5127C1C2C1DE}"/>
+                <a16:creationId xmlns:a16="http://schemas.microsoft.com/office/drawing/2014/main" xmlns="" id="{E803C22C-E970-4ADA-A60C-5127C1C2C1DE}"/>
               </a:ext>
             </a:extLst>
           </p:cNvPr>
@@ -9515,8 +9515,8 @@
           <a:lstStyle/>
           <a:p>
             <a:r>
-              <a:rPr lang="en-US" smtClean="0"/>
-              <a:t>THR3028R </a:t>
+              <a:rPr lang="en-US"/>
+              <a:t>THR3028R: </a:t>
             </a:r>
             <a:r>
               <a:rPr lang="en-US" dirty="0"/>
@@ -9527,7 +9527,22 @@
             </a:br>
             <a:r>
               <a:rPr lang="en-US" dirty="0"/>
-              <a:t>The most useful (and underused!) tips and tricks</a:t>
+              <a:t>The most useful (and underused</a:t>
+            </a:r>
+            <a:r>
+              <a:rPr lang="en-US" dirty="0" smtClean="0"/>
+              <a:t>!)</a:t>
+            </a:r>
+            <a:br>
+              <a:rPr lang="en-US" dirty="0" smtClean="0"/>
+            </a:br>
+            <a:r>
+              <a:rPr lang="en-US" dirty="0" smtClean="0"/>
+              <a:t>tips </a:t>
+            </a:r>
+            <a:r>
+              <a:rPr lang="en-US" dirty="0"/>
+              <a:t>and tricks</a:t>
             </a:r>
           </a:p>
         </p:txBody>
@@ -9560,11 +9575,52 @@
           <a:p>
             <a:r>
               <a:rPr lang="en-US" dirty="0"/>
-              <a:t>Principal Program Manager</a:t>
-            </a:r>
+              <a:t>Principal Program </a:t>
+            </a:r>
+            <a:r>
+              <a:rPr lang="en-US" dirty="0" smtClean="0"/>
+              <a:t>Manager</a:t>
+            </a:r>
+          </a:p>
+          <a:p>
+            <a:r>
+              <a:rPr lang="en-US" dirty="0" smtClean="0"/>
+              <a:t>VS Code</a:t>
+            </a:r>
+            <a:endParaRPr lang="en-US" dirty="0"/>
           </a:p>
         </p:txBody>
       </p:sp>
+      <p:pic>
+        <p:nvPicPr>
+          <p:cNvPr id="2" name="Picture 1"/>
+          <p:cNvPicPr>
+            <a:picLocks noChangeAspect="1"/>
+          </p:cNvPicPr>
+          <p:nvPr/>
+        </p:nvPicPr>
+        <p:blipFill>
+          <a:blip r:embed="rId3">
+            <a:extLst>
+              <a:ext uri="{28A0092B-C50C-407E-A947-70E740481C1C}">
+                <a14:useLocalDpi xmlns:a14="http://schemas.microsoft.com/office/drawing/2010/main" val="0"/>
+              </a:ext>
+            </a:extLst>
+          </a:blip>
+          <a:stretch>
+            <a:fillRect/>
+          </a:stretch>
+        </p:blipFill>
+        <p:spPr>
+          <a:xfrm>
+            <a:off x="9647237" y="144462"/>
+            <a:ext cx="2438400" cy="2438400"/>
+          </a:xfrm>
+          <a:prstGeom prst="rect">
+            <a:avLst/>
+          </a:prstGeom>
+        </p:spPr>
+      </p:pic>
     </p:spTree>
     <p:extLst>
       <p:ext uri="{BB962C8B-B14F-4D97-AF65-F5344CB8AC3E}">
@@ -9650,7 +9706,7 @@
         <p:spPr>
           <a:xfrm>
             <a:off x="274702" y="1211287"/>
-            <a:ext cx="6629335" cy="5152180"/>
+            <a:ext cx="6629335" cy="5896999"/>
           </a:xfrm>
         </p:spPr>
         <p:txBody>
@@ -9672,17 +9728,31 @@
               <a:rPr lang="en-US" dirty="0" smtClean="0"/>
               <a:t>, grunt, gulp by default</a:t>
             </a:r>
+          </a:p>
+          <a:p>
+            <a:pPr lvl="1"/>
             <a:endParaRPr lang="en-US" dirty="0"/>
           </a:p>
           <a:p>
-            <a:pPr lvl="1"/>
             <a:r>
               <a:rPr lang="en-US" dirty="0" smtClean="0"/>
-              <a:t>Plus extension contributions</a:t>
-            </a:r>
-          </a:p>
-          <a:p>
-            <a:pPr lvl="1"/>
+              <a:t>Customize with </a:t>
+            </a:r>
+            <a:r>
+              <a:rPr lang="en-US" b="1" dirty="0" err="1" smtClean="0">
+                <a:latin typeface="Courier New" charset="0"/>
+                <a:ea typeface="Courier New" charset="0"/>
+                <a:cs typeface="Courier New" charset="0"/>
+              </a:rPr>
+              <a:t>tasks.json</a:t>
+            </a:r>
+            <a:endParaRPr lang="en-US" b="1" dirty="0" smtClean="0">
+              <a:latin typeface="Courier New" charset="0"/>
+              <a:ea typeface="Courier New" charset="0"/>
+              <a:cs typeface="Courier New" charset="0"/>
+            </a:endParaRPr>
+          </a:p>
+          <a:p>
             <a:endParaRPr lang="en-US" dirty="0" smtClean="0"/>
           </a:p>
           <a:p>
@@ -9700,14 +9770,14 @@
               <a:t>Debug </a:t>
             </a:r>
             <a:r>
-              <a:rPr lang="en-US" dirty="0" err="1" smtClean="0">
+              <a:rPr lang="en-US" b="1" dirty="0" err="1" smtClean="0">
                 <a:latin typeface="Courier New" charset="0"/>
                 <a:ea typeface="Courier New" charset="0"/>
                 <a:cs typeface="Courier New" charset="0"/>
               </a:rPr>
               <a:t>preLaunchTask</a:t>
             </a:r>
-            <a:endParaRPr lang="en-US" dirty="0" smtClean="0">
+            <a:endParaRPr lang="en-US" b="1" dirty="0" smtClean="0">
               <a:latin typeface="Courier New" charset="0"/>
               <a:ea typeface="Courier New" charset="0"/>
               <a:cs typeface="Courier New" charset="0"/>
@@ -9829,7 +9899,7 @@
         <p:spPr>
           <a:xfrm>
             <a:off x="274702" y="1211287"/>
-            <a:ext cx="11888787" cy="5693866"/>
+            <a:ext cx="7086535" cy="5693866"/>
           </a:xfrm>
         </p:spPr>
         <p:txBody>
@@ -9847,100 +9917,78 @@
               <a:buNone/>
             </a:pPr>
             <a:r>
-              <a:rPr lang="en-US" sz="2000" dirty="0" smtClean="0">
+              <a:rPr lang="en-US" sz="2000" b="1" dirty="0" smtClean="0">
                 <a:latin typeface="Courier New" panose="02070309020205020404" pitchFamily="49" charset="0"/>
                 <a:cs typeface="Courier New" panose="02070309020205020404" pitchFamily="49" charset="0"/>
               </a:rPr>
               <a:t>"</a:t>
             </a:r>
             <a:r>
-              <a:rPr lang="en-US" sz="2000" dirty="0" err="1" smtClean="0">
+              <a:rPr lang="en-US" sz="2000" b="1" dirty="0" err="1" smtClean="0">
                 <a:latin typeface="Courier New" panose="02070309020205020404" pitchFamily="49" charset="0"/>
                 <a:cs typeface="Courier New" panose="02070309020205020404" pitchFamily="49" charset="0"/>
               </a:rPr>
               <a:t>terminal.integrated.shell.osx</a:t>
             </a:r>
             <a:r>
-              <a:rPr lang="en-US" sz="2000" dirty="0" smtClean="0">
+              <a:rPr lang="en-US" sz="2000" b="1" dirty="0" smtClean="0">
                 <a:latin typeface="Courier New" panose="02070309020205020404" pitchFamily="49" charset="0"/>
                 <a:cs typeface="Courier New" panose="02070309020205020404" pitchFamily="49" charset="0"/>
               </a:rPr>
-              <a:t>": </a:t>
-            </a:r>
-            <a:r>
-              <a:rPr lang="en-US" sz="2000" dirty="0" smtClean="0">
+              <a:t>": ”/bin/</a:t>
+            </a:r>
+            <a:r>
+              <a:rPr lang="en-US" sz="2000" b="1" dirty="0" err="1" smtClean="0">
+                <a:latin typeface="Courier New" panose="02070309020205020404" pitchFamily="49" charset="0"/>
+                <a:cs typeface="Courier New" panose="02070309020205020404" pitchFamily="49" charset="0"/>
+              </a:rPr>
+              <a:t>zsh</a:t>
+            </a:r>
+            <a:r>
+              <a:rPr lang="en-US" sz="2000" b="1" dirty="0" smtClean="0">
                 <a:latin typeface="Courier New" panose="02070309020205020404" pitchFamily="49" charset="0"/>
                 <a:cs typeface="Courier New" panose="02070309020205020404" pitchFamily="49" charset="0"/>
               </a:rPr>
               <a:t>"</a:t>
             </a:r>
-            <a:r>
-              <a:rPr lang="en-US" sz="2000" dirty="0" err="1" smtClean="0">
-                <a:latin typeface="Courier New" panose="02070309020205020404" pitchFamily="49" charset="0"/>
-                <a:cs typeface="Courier New" panose="02070309020205020404" pitchFamily="49" charset="0"/>
-              </a:rPr>
-              <a:t>zsh</a:t>
-            </a:r>
-            <a:r>
-              <a:rPr lang="en-US" sz="2000" dirty="0" smtClean="0">
+            <a:endParaRPr lang="en-US" sz="2400" b="1" dirty="0" smtClean="0"/>
+          </a:p>
+          <a:p>
+            <a:pPr lvl="1" fontAlgn="ctr"/>
+            <a:endParaRPr lang="en-US" dirty="0" smtClean="0"/>
+          </a:p>
+          <a:p>
+            <a:pPr fontAlgn="ctr"/>
+            <a:r>
+              <a:rPr lang="en-US" dirty="0" smtClean="0"/>
+              <a:t>Customize it</a:t>
+            </a:r>
+          </a:p>
+          <a:p>
+            <a:pPr marL="228600" lvl="1" indent="0">
+              <a:buNone/>
+            </a:pPr>
+            <a:r>
+              <a:rPr lang="en-US" sz="2000" b="1" dirty="0" smtClean="0">
                 <a:latin typeface="Courier New" panose="02070309020205020404" pitchFamily="49" charset="0"/>
                 <a:cs typeface="Courier New" panose="02070309020205020404" pitchFamily="49" charset="0"/>
               </a:rPr>
               <a:t>"</a:t>
             </a:r>
-            <a:endParaRPr lang="en-US" sz="2400" dirty="0" smtClean="0"/>
-          </a:p>
-          <a:p>
-            <a:pPr lvl="1" fontAlgn="ctr"/>
-            <a:endParaRPr lang="en-US" dirty="0" smtClean="0"/>
-          </a:p>
-          <a:p>
-            <a:pPr fontAlgn="ctr"/>
-            <a:r>
-              <a:rPr lang="en-US" dirty="0" smtClean="0"/>
-              <a:t>Customize </a:t>
-            </a:r>
-            <a:r>
-              <a:rPr lang="en-US" dirty="0" smtClean="0"/>
-              <a:t>it</a:t>
-            </a:r>
-          </a:p>
-          <a:p>
-            <a:pPr marL="228600" lvl="1" indent="0">
-              <a:buNone/>
-            </a:pPr>
-            <a:r>
-              <a:rPr lang="en-US" sz="2000" dirty="0" smtClean="0">
-                <a:latin typeface="Courier New" panose="02070309020205020404" pitchFamily="49" charset="0"/>
-                <a:cs typeface="Courier New" panose="02070309020205020404" pitchFamily="49" charset="0"/>
-              </a:rPr>
-              <a:t>"</a:t>
-            </a:r>
-            <a:r>
-              <a:rPr lang="en-US" sz="2000" dirty="0" err="1" smtClean="0">
+            <a:r>
+              <a:rPr lang="en-US" sz="2000" b="1" dirty="0" err="1" smtClean="0">
                 <a:latin typeface="Courier New" panose="02070309020205020404" pitchFamily="49" charset="0"/>
                 <a:cs typeface="Courier New" panose="02070309020205020404" pitchFamily="49" charset="0"/>
               </a:rPr>
               <a:t>terminal.integrated.cursorStyle</a:t>
             </a:r>
             <a:r>
-              <a:rPr lang="en-US" sz="2000" dirty="0" smtClean="0">
+              <a:rPr lang="en-US" sz="2000" b="1" dirty="0" smtClean="0">
                 <a:latin typeface="Courier New" panose="02070309020205020404" pitchFamily="49" charset="0"/>
                 <a:cs typeface="Courier New" panose="02070309020205020404" pitchFamily="49" charset="0"/>
               </a:rPr>
-              <a:t>": "block</a:t>
-            </a:r>
-            <a:r>
-              <a:rPr lang="en-US" sz="2000" dirty="0" smtClean="0">
-                <a:latin typeface="Courier New" panose="02070309020205020404" pitchFamily="49" charset="0"/>
-                <a:cs typeface="Courier New" panose="02070309020205020404" pitchFamily="49" charset="0"/>
-              </a:rPr>
-              <a:t>"</a:t>
-            </a:r>
-            <a:endParaRPr lang="en-US" sz="2000" dirty="0" smtClean="0">
-              <a:latin typeface="Courier New" panose="02070309020205020404" pitchFamily="49" charset="0"/>
-              <a:cs typeface="Courier New" panose="02070309020205020404" pitchFamily="49" charset="0"/>
-            </a:endParaRPr>
+              <a:t>": "block"</a:t>
+            </a:r>
           </a:p>
           <a:p>
             <a:pPr lvl="1" fontAlgn="ctr"/>
@@ -9950,11 +9998,7 @@
             <a:pPr fontAlgn="ctr"/>
             <a:r>
               <a:rPr lang="en-US" dirty="0" smtClean="0"/>
-              <a:t>Name </a:t>
-            </a:r>
-            <a:r>
-              <a:rPr lang="en-US" dirty="0" smtClean="0"/>
-              <a:t>it</a:t>
+              <a:t>Name it</a:t>
             </a:r>
           </a:p>
           <a:p>
@@ -9972,17 +10016,8 @@
             <a:pPr fontAlgn="ctr"/>
             <a:r>
               <a:rPr lang="en-US" dirty="0" smtClean="0"/>
-              <a:t>F7 to Run </a:t>
-            </a:r>
-            <a:r>
-              <a:rPr lang="en-US" dirty="0" smtClean="0"/>
-              <a:t>selected </a:t>
-            </a:r>
-            <a:r>
-              <a:rPr lang="en-US" dirty="0" smtClean="0"/>
-              <a:t>text</a:t>
-            </a:r>
-            <a:endParaRPr lang="en-US" dirty="0" smtClean="0"/>
+              <a:t>F1 &gt; Run file or selected text</a:t>
+            </a:r>
           </a:p>
           <a:p>
             <a:endParaRPr lang="en-US" dirty="0"/>
@@ -10091,7 +10126,7 @@
         <p:spPr>
           <a:xfrm>
             <a:off x="274702" y="1211287"/>
-            <a:ext cx="5714935" cy="5244513"/>
+            <a:ext cx="8991535" cy="5176802"/>
           </a:xfrm>
         </p:spPr>
         <p:txBody>
@@ -10144,18 +10179,74 @@
           <a:p>
             <a:pPr lvl="1" fontAlgn="ctr"/>
             <a:r>
-              <a:rPr lang="en-US" dirty="0" smtClean="0"/>
-              <a:t>Set up as </a:t>
-            </a:r>
-            <a:r>
-              <a:rPr lang="en-US" dirty="0" err="1" smtClean="0"/>
+              <a:rPr lang="en-US" sz="2400" b="1" dirty="0" err="1" smtClean="0">
+                <a:latin typeface="Courier New" charset="0"/>
+                <a:ea typeface="Courier New" charset="0"/>
+                <a:cs typeface="Courier New" charset="0"/>
+              </a:rPr>
               <a:t>git</a:t>
             </a:r>
             <a:r>
-              <a:rPr lang="en-US" dirty="0" smtClean="0"/>
-              <a:t> cli diff editor</a:t>
-            </a:r>
-            <a:endParaRPr lang="en-US" dirty="0"/>
+              <a:rPr lang="en-US" sz="2400" b="1" dirty="0" smtClean="0">
+                <a:latin typeface="Courier New" charset="0"/>
+                <a:ea typeface="Courier New" charset="0"/>
+                <a:cs typeface="Courier New" charset="0"/>
+              </a:rPr>
+              <a:t> </a:t>
+            </a:r>
+            <a:r>
+              <a:rPr lang="en-US" sz="2400" b="1" dirty="0" err="1" smtClean="0">
+                <a:latin typeface="Courier New" charset="0"/>
+                <a:ea typeface="Courier New" charset="0"/>
+                <a:cs typeface="Courier New" charset="0"/>
+              </a:rPr>
+              <a:t>config</a:t>
+            </a:r>
+            <a:r>
+              <a:rPr lang="en-US" sz="2400" b="1" dirty="0" smtClean="0">
+                <a:latin typeface="Courier New" charset="0"/>
+                <a:ea typeface="Courier New" charset="0"/>
+                <a:cs typeface="Courier New" charset="0"/>
+              </a:rPr>
+              <a:t> </a:t>
+            </a:r>
+            <a:r>
+              <a:rPr lang="uk-UA" sz="2400" b="1" dirty="0" smtClean="0">
+                <a:latin typeface="Courier New" charset="0"/>
+                <a:ea typeface="Courier New" charset="0"/>
+                <a:cs typeface="Courier New" charset="0"/>
+              </a:rPr>
+              <a:t>--</a:t>
+            </a:r>
+            <a:r>
+              <a:rPr lang="en-US" sz="2400" b="1" dirty="0" smtClean="0">
+                <a:latin typeface="Courier New" charset="0"/>
+                <a:ea typeface="Courier New" charset="0"/>
+                <a:cs typeface="Courier New" charset="0"/>
+              </a:rPr>
+              <a:t>global </a:t>
+            </a:r>
+            <a:r>
+              <a:rPr lang="en-US" sz="2400" b="1" dirty="0" err="1" smtClean="0">
+                <a:latin typeface="Courier New" charset="0"/>
+                <a:ea typeface="Courier New" charset="0"/>
+                <a:cs typeface="Courier New" charset="0"/>
+              </a:rPr>
+              <a:t>core.editor</a:t>
+            </a:r>
+            <a:r>
+              <a:rPr lang="en-US" sz="2400" b="1" dirty="0" smtClean="0">
+                <a:latin typeface="Courier New" charset="0"/>
+                <a:ea typeface="Courier New" charset="0"/>
+                <a:cs typeface="Courier New" charset="0"/>
+              </a:rPr>
+              <a:t> code</a:t>
+            </a:r>
+            <a:endParaRPr lang="en-US" sz="2400" b="1" dirty="0">
+              <a:latin typeface="Courier New" charset="0"/>
+              <a:ea typeface="Courier New" charset="0"/>
+              <a:cs typeface="Courier New" charset="0"/>
+            </a:endParaRPr>
           </a:p>
           <a:p>
             <a:pPr lvl="1" fontAlgn="ctr"/>
@@ -10165,7 +10256,14 @@
             <a:pPr fontAlgn="ctr"/>
             <a:r>
               <a:rPr lang="en-US" dirty="0" smtClean="0"/>
-              <a:t>Easy branching, partial commits</a:t>
+              <a:t>Easy branching, staging, stashing,</a:t>
+            </a:r>
+            <a:br>
+              <a:rPr lang="en-US" dirty="0" smtClean="0"/>
+            </a:br>
+            <a:r>
+              <a:rPr lang="en-US" dirty="0" smtClean="0"/>
+              <a:t>and partial commits</a:t>
             </a:r>
             <a:endParaRPr lang="en-US" sz="4400" dirty="0"/>
           </a:p>
@@ -10191,7 +10289,7 @@
         </p:blipFill>
         <p:spPr>
           <a:xfrm>
-            <a:off x="5684837" y="8627"/>
+            <a:off x="7285037" y="53126"/>
             <a:ext cx="9035503" cy="6994525"/>
           </a:xfrm>
           <a:prstGeom prst="rect">
@@ -10215,7 +10313,7 @@
         </p:blipFill>
         <p:spPr>
           <a:xfrm>
-            <a:off x="5532437" y="3802062"/>
+            <a:off x="8429220" y="3687806"/>
             <a:ext cx="2286000" cy="3136900"/>
           </a:xfrm>
           <a:prstGeom prst="rect">
@@ -10318,7 +10416,7 @@
         <p:spPr>
           <a:xfrm>
             <a:off x="274702" y="1211287"/>
-            <a:ext cx="11888787" cy="6438686"/>
+            <a:ext cx="11888787" cy="5795433"/>
           </a:xfrm>
         </p:spPr>
         <p:txBody>
@@ -10327,28 +10425,85 @@
           <a:p>
             <a:r>
               <a:rPr lang="en-US" dirty="0" smtClean="0"/>
+              <a:t>Easy to create!</a:t>
+            </a:r>
+          </a:p>
+          <a:p>
+            <a:pPr lvl="1"/>
+            <a:r>
+              <a:rPr lang="en-US" b="1" dirty="0" err="1" smtClean="0">
+                <a:latin typeface="Courier New" charset="0"/>
+                <a:ea typeface="Courier New" charset="0"/>
+                <a:cs typeface="Courier New" charset="0"/>
+              </a:rPr>
+              <a:t>npm</a:t>
+            </a:r>
+            <a:r>
+              <a:rPr lang="en-US" b="1" dirty="0" smtClean="0">
+                <a:latin typeface="Courier New" charset="0"/>
+                <a:ea typeface="Courier New" charset="0"/>
+                <a:cs typeface="Courier New" charset="0"/>
+              </a:rPr>
+              <a:t> install –g generator-code</a:t>
+            </a:r>
+          </a:p>
+          <a:p>
+            <a:pPr lvl="1"/>
+            <a:r>
+              <a:rPr lang="en-US" b="1" dirty="0" err="1" smtClean="0">
+                <a:latin typeface="Courier New" charset="0"/>
+                <a:ea typeface="Courier New" charset="0"/>
+                <a:cs typeface="Courier New" charset="0"/>
+              </a:rPr>
+              <a:t>yo</a:t>
+            </a:r>
+            <a:r>
+              <a:rPr lang="en-US" b="1" dirty="0" smtClean="0">
+                <a:latin typeface="Courier New" charset="0"/>
+                <a:ea typeface="Courier New" charset="0"/>
+                <a:cs typeface="Courier New" charset="0"/>
+              </a:rPr>
+              <a:t> code</a:t>
+            </a:r>
+          </a:p>
+          <a:p>
+            <a:pPr lvl="3"/>
+            <a:endParaRPr lang="en-US" dirty="0" smtClean="0"/>
+          </a:p>
+          <a:p>
+            <a:r>
+              <a:rPr lang="en-US" dirty="0" smtClean="0"/>
               <a:t>Single click install</a:t>
             </a:r>
           </a:p>
           <a:p>
+            <a:pPr lvl="2"/>
             <a:endParaRPr lang="en-US" dirty="0" smtClean="0"/>
           </a:p>
           <a:p>
             <a:r>
+              <a:rPr lang="en-US" dirty="0"/>
+              <a:t>M</a:t>
+            </a:r>
+            <a:r>
               <a:rPr lang="en-US" dirty="0" smtClean="0"/>
-              <a:t>Code CLI</a:t>
-            </a:r>
-            <a:endParaRPr lang="en-US" dirty="0" smtClean="0"/>
-          </a:p>
-          <a:p>
-            <a:pPr lvl="1"/>
+              <a:t>anage with </a:t>
+            </a:r>
+            <a:r>
+              <a:rPr lang="en-US" b="1" dirty="0" smtClean="0">
+                <a:latin typeface="Courier New" charset="0"/>
+                <a:ea typeface="Courier New" charset="0"/>
+                <a:cs typeface="Courier New" charset="0"/>
+              </a:rPr>
+              <a:t>code</a:t>
+            </a:r>
             <a:r>
               <a:rPr lang="en-US" dirty="0" smtClean="0"/>
-              <a:t>Install, enable, disable extensions</a:t>
-            </a:r>
-          </a:p>
-          <a:p>
-            <a:pPr lvl="1"/>
+              <a:t> CLI</a:t>
+            </a:r>
+          </a:p>
+          <a:p>
+            <a:pPr lvl="2"/>
             <a:endParaRPr lang="en-US" dirty="0" smtClean="0"/>
           </a:p>
           <a:p>
@@ -10365,63 +10520,56 @@
               </a:rPr>
               <a:t>Open Folder</a:t>
             </a:r>
-            <a:endParaRPr lang="en-US" dirty="0" smtClean="0"/>
-          </a:p>
-          <a:p>
-            <a:pPr lvl="1"/>
+            <a:r>
+              <a:rPr lang="en-US" dirty="0" smtClean="0"/>
+              <a:t>, </a:t>
+            </a:r>
             <a:r>
               <a:rPr lang="en-US" dirty="0" smtClean="0">
                 <a:hlinkClick r:id="rId3"/>
               </a:rPr>
               <a:t>Close All</a:t>
             </a:r>
-            <a:endParaRPr lang="en-US" dirty="0" smtClean="0"/>
-          </a:p>
-          <a:p>
-            <a:pPr lvl="1"/>
+            <a:r>
+              <a:rPr lang="en-US" dirty="0" smtClean="0"/>
+              <a:t>, </a:t>
+            </a:r>
             <a:r>
               <a:rPr lang="en-US" dirty="0" smtClean="0">
                 <a:hlinkClick r:id="rId4"/>
               </a:rPr>
-              <a:t>NPM Validation</a:t>
-            </a:r>
-            <a:endParaRPr lang="en-US" dirty="0" smtClean="0"/>
+              <a:t>NPM </a:t>
+            </a:r>
+            <a:r>
+              <a:rPr lang="en-US" dirty="0">
+                <a:hlinkClick r:id="rId4"/>
+              </a:rPr>
+              <a:t>Validation</a:t>
+            </a:r>
+            <a:endParaRPr lang="en-US" dirty="0"/>
           </a:p>
           <a:p>
             <a:pPr lvl="1"/>
+            <a:r>
+              <a:rPr lang="en-US" dirty="0"/>
+              <a:t>And of course</a:t>
+            </a:r>
+            <a:r>
+              <a:rPr lang="is-IS" dirty="0"/>
+              <a:t>… </a:t>
+            </a:r>
+            <a:r>
+              <a:rPr lang="en-US" dirty="0">
+                <a:hlinkClick r:id="rId5"/>
+              </a:rPr>
+              <a:t>Power </a:t>
+            </a:r>
             <a:r>
               <a:rPr lang="en-US" dirty="0" smtClean="0">
                 <a:hlinkClick r:id="rId5"/>
               </a:rPr>
-              <a:t>Git Lens</a:t>
-            </a:r>
-            <a:endParaRPr lang="en-US" dirty="0" smtClean="0"/>
-          </a:p>
-          <a:p>
-            <a:pPr lvl="1"/>
-            <a:r>
-              <a:rPr lang="en-US" dirty="0" smtClean="0"/>
-              <a:t>And of course</a:t>
-            </a:r>
-            <a:r>
-              <a:rPr lang="is-IS" dirty="0" smtClean="0"/>
-              <a:t>… </a:t>
-            </a:r>
-            <a:r>
-              <a:rPr lang="en-US" dirty="0">
-                <a:hlinkClick r:id="rId6"/>
-              </a:rPr>
-              <a:t>Power </a:t>
-            </a:r>
-            <a:r>
-              <a:rPr lang="en-US" dirty="0" smtClean="0">
-                <a:hlinkClick r:id="rId6"/>
-              </a:rPr>
               <a:t>Mode</a:t>
             </a:r>
-            <a:endParaRPr lang="en-US" dirty="0" smtClean="0"/>
-          </a:p>
-          <a:p>
             <a:endParaRPr lang="en-US" dirty="0"/>
           </a:p>
         </p:txBody>
@@ -10435,14 +10583,14 @@
           <p:nvPr/>
         </p:nvPicPr>
         <p:blipFill>
-          <a:blip r:embed="rId7"/>
+          <a:blip r:embed="rId6"/>
           <a:stretch>
             <a:fillRect/>
           </a:stretch>
         </p:blipFill>
         <p:spPr>
           <a:xfrm>
-            <a:off x="7056437" y="1199923"/>
+            <a:off x="7345331" y="1050477"/>
             <a:ext cx="6248400" cy="1785257"/>
           </a:xfrm>
           <a:prstGeom prst="rect">
@@ -10469,14 +10617,14 @@
           <p:nvPr/>
         </p:nvPicPr>
         <p:blipFill>
-          <a:blip r:embed="rId8"/>
+          <a:blip r:embed="rId7"/>
           <a:stretch>
             <a:fillRect/>
           </a:stretch>
         </p:blipFill>
         <p:spPr>
           <a:xfrm>
-            <a:off x="6440909" y="3163728"/>
+            <a:off x="6414326" y="3049283"/>
             <a:ext cx="11445875" cy="1717846"/>
           </a:xfrm>
           <a:prstGeom prst="rect">
@@ -10503,14 +10651,14 @@
           <p:nvPr/>
         </p:nvPicPr>
         <p:blipFill>
-          <a:blip r:embed="rId9"/>
+          <a:blip r:embed="rId8"/>
           <a:stretch>
             <a:fillRect/>
           </a:stretch>
         </p:blipFill>
         <p:spPr>
           <a:xfrm>
-            <a:off x="6904037" y="4995754"/>
+            <a:off x="7132637" y="4975880"/>
             <a:ext cx="6809270" cy="1822089"/>
           </a:xfrm>
           <a:prstGeom prst="rect">
@@ -10800,7 +10948,7 @@
           <p:cNvPr id="15" name="Picture 14" descr="Image of QR Code" title="QR Code">
             <a:extLst>
               <a:ext uri="{FF2B5EF4-FFF2-40B4-BE49-F238E27FC236}">
-                <a16:creationId xmlns="" xmlns:a16="http://schemas.microsoft.com/office/drawing/2014/main" id="{EFC1EB45-2EB7-48CE-B3A7-5E46347BB019}"/>
+                <a16:creationId xmlns:a16="http://schemas.microsoft.com/office/drawing/2014/main" xmlns="" id="{EFC1EB45-2EB7-48CE-B3A7-5E46347BB019}"/>
               </a:ext>
             </a:extLst>
           </p:cNvPr>
@@ -10968,7 +11116,7 @@
           <p:cNvPr id="8" name="Title 7">
             <a:extLst>
               <a:ext uri="{FF2B5EF4-FFF2-40B4-BE49-F238E27FC236}">
-                <a16:creationId xmlns="" xmlns:a16="http://schemas.microsoft.com/office/drawing/2014/main" id="{70C823DF-EC34-41F2-A2D0-BBC3CA4A3E9A}"/>
+                <a16:creationId xmlns:a16="http://schemas.microsoft.com/office/drawing/2014/main" xmlns="" id="{70C823DF-EC34-41F2-A2D0-BBC3CA4A3E9A}"/>
               </a:ext>
             </a:extLst>
           </p:cNvPr>
@@ -11008,7 +11156,7 @@
           <p:cNvPr id="5" name="Text Placeholder 4">
             <a:extLst>
               <a:ext uri="{FF2B5EF4-FFF2-40B4-BE49-F238E27FC236}">
-                <a16:creationId xmlns="" xmlns:a16="http://schemas.microsoft.com/office/drawing/2014/main" id="{D2E5DC89-AD72-4374-B620-726EF1494D6A}"/>
+                <a16:creationId xmlns:a16="http://schemas.microsoft.com/office/drawing/2014/main" xmlns="" id="{D2E5DC89-AD72-4374-B620-726EF1494D6A}"/>
               </a:ext>
             </a:extLst>
           </p:cNvPr>
@@ -11282,7 +11430,7 @@
           <p:cNvPr id="5" name="Picture 4">
             <a:extLst>
               <a:ext uri="{FF2B5EF4-FFF2-40B4-BE49-F238E27FC236}">
-                <a16:creationId xmlns="" xmlns:a16="http://schemas.microsoft.com/office/drawing/2014/main" id="{EC5F1645-A3D5-4891-A714-174611706FD6}"/>
+                <a16:creationId xmlns:a16="http://schemas.microsoft.com/office/drawing/2014/main" xmlns="" id="{EC5F1645-A3D5-4891-A714-174611706FD6}"/>
               </a:ext>
             </a:extLst>
           </p:cNvPr>
@@ -11693,37 +11841,57 @@
         <p:spPr>
           <a:xfrm>
             <a:off x="274639" y="1668462"/>
-            <a:ext cx="5486399" cy="2877711"/>
+            <a:ext cx="5638798" cy="3293209"/>
           </a:xfrm>
         </p:spPr>
         <p:txBody>
           <a:bodyPr/>
           <a:lstStyle/>
           <a:p>
+            <a:pPr marL="514350" indent="-514350">
+              <a:buFont typeface="+mj-lt"/>
+              <a:buAutoNum type="arabicPeriod"/>
+            </a:pPr>
             <a:r>
               <a:rPr lang="en-US" dirty="0" smtClean="0"/>
               <a:t>Setup</a:t>
             </a:r>
           </a:p>
           <a:p>
+            <a:pPr marL="514350" indent="-514350">
+              <a:buFont typeface="+mj-lt"/>
+              <a:buAutoNum type="arabicPeriod"/>
+            </a:pPr>
             <a:r>
               <a:rPr lang="en-US" dirty="0" smtClean="0"/>
               <a:t>Customization</a:t>
             </a:r>
           </a:p>
           <a:p>
+            <a:pPr marL="514350" indent="-514350">
+              <a:buFont typeface="+mj-lt"/>
+              <a:buAutoNum type="arabicPeriod"/>
+            </a:pPr>
             <a:r>
               <a:rPr lang="en-US" dirty="0" smtClean="0"/>
               <a:t>Keyboard shortcuts</a:t>
             </a:r>
           </a:p>
           <a:p>
+            <a:pPr marL="514350" indent="-514350">
+              <a:buFont typeface="+mj-lt"/>
+              <a:buAutoNum type="arabicPeriod"/>
+            </a:pPr>
             <a:r>
               <a:rPr lang="en-US" dirty="0" smtClean="0"/>
               <a:t>Editing and Code Navigation</a:t>
             </a:r>
           </a:p>
           <a:p>
+            <a:pPr marL="514350" indent="-514350">
+              <a:buFont typeface="+mj-lt"/>
+              <a:buAutoNum type="arabicPeriod"/>
+            </a:pPr>
             <a:r>
               <a:rPr lang="en-US" dirty="0" smtClean="0"/>
               <a:t>Code Style and Correctness</a:t>
@@ -11752,30 +11920,50 @@
           <a:bodyPr/>
           <a:lstStyle/>
           <a:p>
+            <a:pPr marL="514350" indent="-514350">
+              <a:buFont typeface="+mj-lt"/>
+              <a:buAutoNum type="arabicPeriod" startAt="6"/>
+            </a:pPr>
             <a:r>
               <a:rPr lang="en-US" dirty="0" smtClean="0"/>
               <a:t>Debugging</a:t>
             </a:r>
           </a:p>
           <a:p>
+            <a:pPr marL="514350" indent="-514350">
+              <a:buFont typeface="+mj-lt"/>
+              <a:buAutoNum type="arabicPeriod" startAt="6"/>
+            </a:pPr>
             <a:r>
               <a:rPr lang="en-US" dirty="0" smtClean="0"/>
               <a:t>Tasks</a:t>
             </a:r>
           </a:p>
           <a:p>
+            <a:pPr marL="514350" indent="-514350">
+              <a:buFont typeface="+mj-lt"/>
+              <a:buAutoNum type="arabicPeriod" startAt="6"/>
+            </a:pPr>
             <a:r>
               <a:rPr lang="en-US" dirty="0" smtClean="0"/>
               <a:t>Integrated Terminal</a:t>
             </a:r>
           </a:p>
           <a:p>
+            <a:pPr marL="514350" indent="-514350">
+              <a:buFont typeface="+mj-lt"/>
+              <a:buAutoNum type="arabicPeriod" startAt="6"/>
+            </a:pPr>
             <a:r>
               <a:rPr lang="en-US" dirty="0" smtClean="0"/>
               <a:t>Source Code Control</a:t>
             </a:r>
           </a:p>
           <a:p>
+            <a:pPr marL="514350" indent="-514350">
+              <a:buFont typeface="+mj-lt"/>
+              <a:buAutoNum type="arabicPeriod" startAt="6"/>
+            </a:pPr>
             <a:r>
               <a:rPr lang="en-US" dirty="0" smtClean="0"/>
               <a:t>Extensions, Marketplace</a:t>
@@ -11948,7 +12136,7 @@
         <p:spPr>
           <a:xfrm>
             <a:off x="274702" y="1211287"/>
-            <a:ext cx="11888787" cy="5016758"/>
+            <a:ext cx="11888787" cy="5490734"/>
           </a:xfrm>
         </p:spPr>
         <p:txBody>
@@ -11965,7 +12153,7 @@
             </a:r>
             <a:r>
               <a:rPr lang="en-US" dirty="0" smtClean="0"/>
-              <a:t> build</a:t>
+              <a:t> build!</a:t>
             </a:r>
           </a:p>
           <a:p>
@@ -11979,11 +12167,7 @@
             <a:pPr lvl="1"/>
             <a:r>
               <a:rPr lang="en-US" dirty="0" smtClean="0"/>
-              <a:t>Early </a:t>
-            </a:r>
-            <a:r>
-              <a:rPr lang="en-US" dirty="0" smtClean="0"/>
-              <a:t>access to new features</a:t>
+              <a:t>Early access to new features</a:t>
             </a:r>
           </a:p>
           <a:p>
@@ -11991,20 +12175,72 @@
           </a:p>
           <a:p>
             <a:r>
-              <a:rPr lang="en-US" dirty="0" smtClean="0"/>
+              <a:rPr lang="en-US" dirty="0" smtClean="0">
+                <a:hlinkClick r:id="rId2"/>
+              </a:rPr>
               <a:t>Launch </a:t>
             </a:r>
             <a:r>
-              <a:rPr lang="en-US" dirty="0"/>
+              <a:rPr lang="en-US" dirty="0">
+                <a:hlinkClick r:id="rId2"/>
+              </a:rPr>
               <a:t>in </a:t>
             </a:r>
             <a:r>
-              <a:rPr lang="en-US" b="1" dirty="0"/>
+              <a:rPr lang="en-US" b="1" dirty="0">
+                <a:hlinkClick r:id="rId2"/>
+              </a:rPr>
               <a:t>9+ </a:t>
             </a:r>
             <a:r>
-              <a:rPr lang="en-US" b="1" dirty="0" smtClean="0"/>
+              <a:rPr lang="en-US" b="1" dirty="0" smtClean="0">
+                <a:hlinkClick r:id="rId2"/>
+              </a:rPr>
               <a:t>Languages</a:t>
+            </a:r>
+            <a:endParaRPr lang="en-US" b="1" dirty="0" smtClean="0"/>
+          </a:p>
+          <a:p>
+            <a:pPr lvl="1"/>
+            <a:r>
+              <a:rPr lang="en-US" b="1" dirty="0" smtClean="0">
+                <a:latin typeface="Courier New" charset="0"/>
+                <a:ea typeface="Courier New" charset="0"/>
+                <a:cs typeface="Courier New" charset="0"/>
+              </a:rPr>
+              <a:t>code </a:t>
+            </a:r>
+            <a:r>
+              <a:rPr lang="uk-UA" b="1" dirty="0" smtClean="0">
+                <a:latin typeface="Courier New" charset="0"/>
+                <a:ea typeface="Courier New" charset="0"/>
+                <a:cs typeface="Courier New" charset="0"/>
+              </a:rPr>
+              <a:t>--</a:t>
+            </a:r>
+            <a:r>
+              <a:rPr lang="en-US" b="1" dirty="0" smtClean="0">
+                <a:latin typeface="Courier New" charset="0"/>
+                <a:ea typeface="Courier New" charset="0"/>
+                <a:cs typeface="Courier New" charset="0"/>
+              </a:rPr>
+              <a:t>locale </a:t>
+            </a:r>
+            <a:r>
+              <a:rPr lang="en-US" b="1" dirty="0" err="1" smtClean="0">
+                <a:latin typeface="Courier New" charset="0"/>
+                <a:ea typeface="Courier New" charset="0"/>
+                <a:cs typeface="Courier New" charset="0"/>
+              </a:rPr>
+              <a:t>en</a:t>
+            </a:r>
+            <a:r>
+              <a:rPr lang="en-US" b="1" dirty="0" smtClean="0">
+                <a:latin typeface="Courier New" charset="0"/>
+                <a:ea typeface="Courier New" charset="0"/>
+                <a:cs typeface="Courier New" charset="0"/>
+              </a:rPr>
+              <a:t>-US</a:t>
             </a:r>
           </a:p>
           <a:p>
@@ -12029,11 +12265,7 @@
             </a:r>
             <a:r>
               <a:rPr lang="en-US" dirty="0" smtClean="0"/>
-              <a:t> to </a:t>
-            </a:r>
-            <a:r>
-              <a:rPr lang="en-US" dirty="0" smtClean="0"/>
-              <a:t>PATH</a:t>
+              <a:t> to PATH</a:t>
             </a:r>
           </a:p>
           <a:p>
@@ -12059,7 +12291,7 @@
           <p:nvPr/>
         </p:nvPicPr>
         <p:blipFill>
-          <a:blip r:embed="rId2"/>
+          <a:blip r:embed="rId3"/>
           <a:stretch>
             <a:fillRect/>
           </a:stretch>
@@ -12169,15 +12401,7 @@
             <a:pPr fontAlgn="ctr"/>
             <a:r>
               <a:rPr lang="en-US" dirty="0" smtClean="0"/>
-              <a:t>890+ Themes</a:t>
-            </a:r>
-            <a:r>
-              <a:rPr lang="en-US" dirty="0" smtClean="0"/>
-              <a:t>, </a:t>
-            </a:r>
-            <a:r>
-              <a:rPr lang="en-US" dirty="0" smtClean="0"/>
-              <a:t>Icons</a:t>
+              <a:t>890+ Themes, Icons</a:t>
             </a:r>
           </a:p>
           <a:p>
@@ -12192,11 +12416,7 @@
             <a:pPr fontAlgn="ctr"/>
             <a:r>
               <a:rPr lang="en-US" dirty="0" smtClean="0"/>
-              <a:t>Settings: </a:t>
-            </a:r>
-            <a:r>
-              <a:rPr lang="en-US" dirty="0" smtClean="0"/>
-              <a:t>CMD+,</a:t>
+              <a:t>Settings: CMD+,</a:t>
             </a:r>
           </a:p>
           <a:p>
@@ -12221,7 +12441,6 @@
               <a:rPr lang="en-US" dirty="0" smtClean="0"/>
               <a:t>Fun favorites</a:t>
             </a:r>
-            <a:endParaRPr lang="en-US" dirty="0" smtClean="0"/>
           </a:p>
           <a:p>
             <a:pPr lvl="1" fontAlgn="ctr"/>
@@ -12241,11 +12460,7 @@
             <a:pPr lvl="1" fontAlgn="ctr"/>
             <a:r>
               <a:rPr lang="en-US" dirty="0" smtClean="0"/>
-              <a:t>Workbench </a:t>
-            </a:r>
-            <a:r>
-              <a:rPr lang="en-US" dirty="0" smtClean="0"/>
-              <a:t>tips</a:t>
+              <a:t>Workbench tips</a:t>
             </a:r>
             <a:endParaRPr lang="en-US" dirty="0"/>
           </a:p>
@@ -12408,7 +12623,7 @@
         <p:spPr>
           <a:xfrm>
             <a:off x="274702" y="1211287"/>
-            <a:ext cx="11888787" cy="5761577"/>
+            <a:ext cx="11888787" cy="6370975"/>
           </a:xfrm>
         </p:spPr>
         <p:txBody>
@@ -12427,32 +12642,31 @@
           <a:p>
             <a:r>
               <a:rPr lang="en-US" dirty="0" smtClean="0"/>
-              <a:t>Customize </a:t>
-            </a:r>
+              <a:t>Customize shortcuts</a:t>
+            </a:r>
+          </a:p>
+          <a:p>
+            <a:pPr lvl="1"/>
             <a:r>
               <a:rPr lang="en-US" dirty="0" smtClean="0"/>
-              <a:t>shortcuts</a:t>
+              <a:t>Editor, show conflicts</a:t>
             </a:r>
           </a:p>
           <a:p>
             <a:pPr lvl="1"/>
             <a:r>
               <a:rPr lang="en-US" dirty="0" smtClean="0"/>
-              <a:t>Quick </a:t>
-            </a:r>
-            <a:r>
-              <a:rPr lang="en-US" dirty="0" smtClean="0"/>
-              <a:t>Outline in </a:t>
-            </a:r>
-            <a:r>
-              <a:rPr lang="en-US" dirty="0" err="1" smtClean="0">
+              <a:t>Quick Outline in </a:t>
+            </a:r>
+            <a:r>
+              <a:rPr lang="en-US" b="1" dirty="0" err="1" smtClean="0">
                 <a:latin typeface="Courier New" charset="0"/>
                 <a:ea typeface="Courier New" charset="0"/>
                 <a:cs typeface="Courier New" charset="0"/>
               </a:rPr>
               <a:t>keybindings.json</a:t>
             </a:r>
-            <a:endParaRPr lang="en-US" dirty="0" smtClean="0">
+            <a:endParaRPr lang="en-US" b="1" dirty="0" smtClean="0">
               <a:latin typeface="Courier New" charset="0"/>
               <a:ea typeface="Courier New" charset="0"/>
               <a:cs typeface="Courier New" charset="0"/>
@@ -12462,7 +12676,19 @@
             <a:pPr lvl="1"/>
             <a:r>
               <a:rPr lang="en-US" dirty="0" smtClean="0"/>
-              <a:t>The “when” clause</a:t>
+              <a:t>The </a:t>
+            </a:r>
+            <a:r>
+              <a:rPr lang="en-US" b="1" dirty="0" smtClean="0">
+                <a:latin typeface="Courier New" charset="0"/>
+                <a:ea typeface="Courier New" charset="0"/>
+                <a:cs typeface="Courier New" charset="0"/>
+              </a:rPr>
+              <a:t>when</a:t>
+            </a:r>
+            <a:r>
+              <a:rPr lang="en-US" dirty="0" smtClean="0"/>
+              <a:t> clause</a:t>
             </a:r>
           </a:p>
           <a:p>
@@ -12501,13 +12727,7 @@
               <a:rPr lang="en-US" dirty="0" smtClean="0">
                 <a:hlinkClick r:id="rId3"/>
               </a:rPr>
-              <a:t>Advanced </a:t>
-            </a:r>
-            <a:r>
-              <a:rPr lang="en-US" dirty="0" smtClean="0">
-                <a:hlinkClick r:id="rId3"/>
-              </a:rPr>
-              <a:t>Customization</a:t>
+              <a:t>Advanced Customization</a:t>
             </a:r>
             <a:endParaRPr lang="en-US" dirty="0" smtClean="0"/>
           </a:p>
@@ -12532,7 +12752,7 @@
         </p:blipFill>
         <p:spPr>
           <a:xfrm>
-            <a:off x="5684837" y="3116262"/>
+            <a:off x="6675437" y="2278062"/>
             <a:ext cx="10229493" cy="6994525"/>
           </a:xfrm>
           <a:prstGeom prst="rect">
@@ -12638,21 +12858,25 @@
             <a:pPr lvl="1"/>
             <a:r>
               <a:rPr lang="en-US" sz="2400" dirty="0" smtClean="0"/>
-              <a:t>Navigate: CMD+P, Right Arrow to open files</a:t>
+              <a:t>Navigate workspaces: </a:t>
+            </a:r>
+            <a:r>
+              <a:rPr lang="en-US" sz="2400" dirty="0"/>
+              <a:t>CTRL+R</a:t>
             </a:r>
           </a:p>
           <a:p>
             <a:pPr lvl="1"/>
             <a:r>
               <a:rPr lang="en-US" sz="2400" dirty="0" smtClean="0"/>
-              <a:t>Switch Project: CMD+R</a:t>
+              <a:t>Navigate files: CMD+P, Right Arrow open files</a:t>
             </a:r>
           </a:p>
           <a:p>
             <a:pPr lvl="1"/>
             <a:r>
               <a:rPr lang="en-US" sz="2400" dirty="0" smtClean="0"/>
-              <a:t>Outline: CMD+SHIFT+O</a:t>
+              <a:t>Navigate within files: CMD+SHIFT+O</a:t>
             </a:r>
           </a:p>
           <a:p>
@@ -12729,7 +12953,7 @@
             <a:pPr lvl="1"/>
             <a:r>
               <a:rPr lang="en-US" sz="2400" dirty="0" smtClean="0"/>
-              <a:t>Navigate Errors and Warnings: F8</a:t>
+              <a:t>Errors and Warnings: F8</a:t>
             </a:r>
           </a:p>
         </p:txBody>
@@ -12867,11 +13091,7 @@
             <a:pPr lvl="1"/>
             <a:r>
               <a:rPr lang="en-US" dirty="0" smtClean="0"/>
-              <a:t>Type checking JS: </a:t>
-            </a:r>
-            <a:r>
-              <a:rPr lang="en-US" dirty="0" smtClean="0"/>
-              <a:t>@</a:t>
+              <a:t>Type checking JS: @</a:t>
             </a:r>
             <a:r>
               <a:rPr lang="en-US" dirty="0" err="1" smtClean="0"/>
@@ -12941,11 +13161,7 @@
             <a:pPr lvl="1"/>
             <a:r>
               <a:rPr lang="en-US" dirty="0" smtClean="0"/>
-              <a:t>XML is my favorite, 121 more in </a:t>
-            </a:r>
-            <a:r>
-              <a:rPr lang="en-US" dirty="0" smtClean="0"/>
-              <a:t>Marketplace</a:t>
+              <a:t>XML is my favorite, 121 more in Marketplace</a:t>
             </a:r>
           </a:p>
           <a:p>
@@ -13187,7 +13403,15 @@
             <a:pPr fontAlgn="ctr"/>
             <a:r>
               <a:rPr lang="en-US" dirty="0" smtClean="0"/>
-              <a:t>Client, Server Debugging</a:t>
+              <a:t>Client, server </a:t>
+            </a:r>
+            <a:r>
+              <a:rPr lang="en-US" dirty="0"/>
+              <a:t>d</a:t>
+            </a:r>
+            <a:r>
+              <a:rPr lang="en-US" dirty="0" smtClean="0"/>
+              <a:t>ebugging</a:t>
             </a:r>
             <a:endParaRPr lang="en-US" dirty="0"/>
           </a:p>
@@ -13195,11 +13419,7 @@
             <a:pPr fontAlgn="ctr"/>
             <a:r>
               <a:rPr lang="en-US" dirty="0" smtClean="0"/>
-              <a:t>Debug </a:t>
-            </a:r>
-            <a:r>
-              <a:rPr lang="en-US" dirty="0" smtClean="0"/>
-              <a:t>Console, REPL</a:t>
+              <a:t>Debug console, REPL</a:t>
             </a:r>
             <a:endParaRPr lang="en-US" dirty="0"/>
           </a:p>
@@ -13219,11 +13439,11 @@
             <a:pPr fontAlgn="ctr"/>
             <a:r>
               <a:rPr lang="en-US" dirty="0" smtClean="0"/>
-              <a:t>Attach</a:t>
+              <a:t>Attach </a:t>
             </a:r>
             <a:r>
               <a:rPr lang="is-IS" dirty="0" smtClean="0"/>
-              <a:t>… to </a:t>
+              <a:t>to </a:t>
             </a:r>
             <a:r>
               <a:rPr lang="en-US" dirty="0" smtClean="0"/>
